--- a/WPF Optimizations.pptx
+++ b/WPF Optimizations.pptx
@@ -5,7 +5,7 @@
     <p:sldMasterId id="2147483648" r:id="rId1"/>
   </p:sldMasterIdLst>
   <p:notesMasterIdLst>
-    <p:notesMasterId r:id="rId29"/>
+    <p:notesMasterId r:id="rId30"/>
   </p:notesMasterIdLst>
   <p:sldIdLst>
     <p:sldId id="256" r:id="rId2"/>
@@ -34,7 +34,8 @@
     <p:sldId id="279" r:id="rId25"/>
     <p:sldId id="282" r:id="rId26"/>
     <p:sldId id="280" r:id="rId27"/>
-    <p:sldId id="281" r:id="rId28"/>
+    <p:sldId id="283" r:id="rId28"/>
+    <p:sldId id="281" r:id="rId29"/>
   </p:sldIdLst>
   <p:sldSz cx="12192000" cy="6858000"/>
   <p:notesSz cx="6858000" cy="9144000"/>
@@ -223,7 +224,7 @@
           <a:p>
             <a:fld id="{4E4373B4-FEA4-49A7-B2D2-60625D74E44F}" type="datetimeFigureOut">
               <a:rPr lang="en-US" smtClean="0"/>
-              <a:t>30-May-19</a:t>
+              <a:t>01-Sep-19</a:t>
             </a:fld>
             <a:endParaRPr lang="en-US"/>
           </a:p>
@@ -2137,7 +2138,15 @@
           <a:p>
             <a:r>
               <a:rPr lang="ru-RU" baseline="0" dirty="0" smtClean="0"/>
-              <a:t>Что мы можем с этим сделать? Самое простое – вынести вторую и третью строчку этого метода из </a:t>
+              <a:t>Что мы можем с этим сделать? Самое простое – вынести вторую </a:t>
+            </a:r>
+            <a:r>
+              <a:rPr lang="ru-RU" baseline="0" dirty="0" smtClean="0"/>
+              <a:t>и третью строчку </a:t>
+            </a:r>
+            <a:r>
+              <a:rPr lang="ru-RU" baseline="0" dirty="0" smtClean="0"/>
+              <a:t>этого метода из </a:t>
             </a:r>
             <a:r>
               <a:rPr lang="en-US" baseline="0" dirty="0" smtClean="0"/>
@@ -3106,6 +3115,117 @@
           <a:bodyPr/>
           <a:lstStyle/>
           <a:p>
+            <a:r>
+              <a:rPr lang="ru-RU" dirty="0" smtClean="0"/>
+              <a:t>Какие</a:t>
+            </a:r>
+            <a:r>
+              <a:rPr lang="ru-RU" baseline="0" dirty="0" smtClean="0"/>
+              <a:t> же из этого можно сделать выводы?</a:t>
+            </a:r>
+          </a:p>
+          <a:p>
+            <a:endParaRPr lang="ru-RU" baseline="0" dirty="0" smtClean="0"/>
+          </a:p>
+          <a:p>
+            <a:r>
+              <a:rPr lang="uk-UA" dirty="0" smtClean="0"/>
+              <a:t>- </a:t>
+            </a:r>
+            <a:r>
+              <a:rPr lang="uk-UA" dirty="0" err="1" smtClean="0"/>
+              <a:t>Вынести</a:t>
+            </a:r>
+            <a:r>
+              <a:rPr lang="uk-UA" dirty="0" smtClean="0"/>
+              <a:t> </a:t>
+            </a:r>
+            <a:r>
+              <a:rPr lang="uk-UA" dirty="0" err="1" smtClean="0"/>
+              <a:t>операции</a:t>
+            </a:r>
+            <a:r>
+              <a:rPr lang="uk-UA" dirty="0" smtClean="0"/>
+              <a:t>, не </a:t>
+            </a:r>
+            <a:r>
+              <a:rPr lang="uk-UA" dirty="0" err="1" smtClean="0"/>
+              <a:t>связанные</a:t>
+            </a:r>
+            <a:r>
+              <a:rPr lang="uk-UA" dirty="0" smtClean="0"/>
+              <a:t> с </a:t>
+            </a:r>
+            <a:r>
+              <a:rPr lang="en-US" dirty="0" smtClean="0"/>
+              <a:t>UI </a:t>
+            </a:r>
+            <a:r>
+              <a:rPr lang="uk-UA" dirty="0" err="1" smtClean="0"/>
+              <a:t>из</a:t>
+            </a:r>
+            <a:r>
+              <a:rPr lang="uk-UA" dirty="0" smtClean="0"/>
+              <a:t> </a:t>
+            </a:r>
+            <a:r>
+              <a:rPr lang="en-US" dirty="0" smtClean="0"/>
+              <a:t>UI-</a:t>
+            </a:r>
+            <a:r>
+              <a:rPr lang="uk-UA" dirty="0" err="1" smtClean="0"/>
+              <a:t>потока</a:t>
+            </a:r>
+            <a:endParaRPr lang="uk-UA" dirty="0" smtClean="0"/>
+          </a:p>
+          <a:p>
+            <a:r>
+              <a:rPr lang="uk-UA" dirty="0" smtClean="0"/>
+              <a:t>- </a:t>
+            </a:r>
+            <a:r>
+              <a:rPr lang="uk-UA" dirty="0" err="1" smtClean="0"/>
+              <a:t>Параллелить</a:t>
+            </a:r>
+            <a:r>
+              <a:rPr lang="uk-UA" dirty="0" smtClean="0"/>
+              <a:t> при </a:t>
+            </a:r>
+            <a:r>
+              <a:rPr lang="uk-UA" dirty="0" err="1" smtClean="0"/>
+              <a:t>необходимости</a:t>
+            </a:r>
+            <a:endParaRPr lang="uk-UA" dirty="0" smtClean="0"/>
+          </a:p>
+          <a:p>
+            <a:r>
+              <a:rPr lang="uk-UA" dirty="0" smtClean="0"/>
+              <a:t>- </a:t>
+            </a:r>
+            <a:r>
+              <a:rPr lang="en-US" dirty="0" smtClean="0"/>
+              <a:t>Live filtering and live sorting</a:t>
+            </a:r>
+          </a:p>
+          <a:p>
+            <a:r>
+              <a:rPr lang="en-US" dirty="0" smtClean="0"/>
+              <a:t>- Virtualization</a:t>
+            </a:r>
+          </a:p>
+          <a:p>
+            <a:r>
+              <a:rPr lang="en-US" dirty="0" smtClean="0"/>
+              <a:t>- </a:t>
+            </a:r>
+            <a:r>
+              <a:rPr lang="en-US" dirty="0" err="1" smtClean="0"/>
+              <a:t>BindingOperations.EnableCollectionSynchronization</a:t>
+            </a:r>
+            <a:r>
+              <a:rPr lang="en-US" dirty="0" smtClean="0"/>
+              <a:t> - if needed</a:t>
+            </a:r>
             <a:endParaRPr lang="en-US" dirty="0"/>
           </a:p>
         </p:txBody>
@@ -3128,6 +3248,90 @@
             <a:fld id="{540C24F3-0B6D-4ED4-8F00-4D4F93EB07CD}" type="slidenum">
               <a:rPr lang="en-US" smtClean="0"/>
               <a:t>27</a:t>
+            </a:fld>
+            <a:endParaRPr lang="en-US"/>
+          </a:p>
+        </p:txBody>
+      </p:sp>
+    </p:spTree>
+    <p:extLst>
+      <p:ext uri="{BB962C8B-B14F-4D97-AF65-F5344CB8AC3E}">
+        <p14:creationId xmlns:p14="http://schemas.microsoft.com/office/powerpoint/2010/main" val="1724561494"/>
+      </p:ext>
+    </p:extLst>
+  </p:cSld>
+  <p:clrMapOvr>
+    <a:masterClrMapping/>
+  </p:clrMapOvr>
+</p:notes>
+</file>
+
+<file path=ppt/notesSlides/notesSlide27.xml><?xml version="1.0" encoding="utf-8"?>
+<p:notes xmlns:a="http://schemas.openxmlformats.org/drawingml/2006/main" xmlns:r="http://schemas.openxmlformats.org/officeDocument/2006/relationships" xmlns:p="http://schemas.openxmlformats.org/presentationml/2006/main">
+  <p:cSld>
+    <p:spTree>
+      <p:nvGrpSpPr>
+        <p:cNvPr id="1" name=""/>
+        <p:cNvGrpSpPr/>
+        <p:nvPr/>
+      </p:nvGrpSpPr>
+      <p:grpSpPr>
+        <a:xfrm>
+          <a:off x="0" y="0"/>
+          <a:ext cx="0" cy="0"/>
+          <a:chOff x="0" y="0"/>
+          <a:chExt cx="0" cy="0"/>
+        </a:xfrm>
+      </p:grpSpPr>
+      <p:sp>
+        <p:nvSpPr>
+          <p:cNvPr id="2" name="Slide Image Placeholder 1"/>
+          <p:cNvSpPr>
+            <a:spLocks noGrp="1" noRot="1" noChangeAspect="1"/>
+          </p:cNvSpPr>
+          <p:nvPr>
+            <p:ph type="sldImg"/>
+          </p:nvPr>
+        </p:nvSpPr>
+        <p:spPr/>
+      </p:sp>
+      <p:sp>
+        <p:nvSpPr>
+          <p:cNvPr id="3" name="Notes Placeholder 2"/>
+          <p:cNvSpPr>
+            <a:spLocks noGrp="1"/>
+          </p:cNvSpPr>
+          <p:nvPr>
+            <p:ph type="body" idx="1"/>
+          </p:nvPr>
+        </p:nvSpPr>
+        <p:spPr/>
+        <p:txBody>
+          <a:bodyPr/>
+          <a:lstStyle/>
+          <a:p>
+            <a:endParaRPr lang="en-US" dirty="0"/>
+          </a:p>
+        </p:txBody>
+      </p:sp>
+      <p:sp>
+        <p:nvSpPr>
+          <p:cNvPr id="4" name="Slide Number Placeholder 3"/>
+          <p:cNvSpPr>
+            <a:spLocks noGrp="1"/>
+          </p:cNvSpPr>
+          <p:nvPr>
+            <p:ph type="sldNum" sz="quarter" idx="10"/>
+          </p:nvPr>
+        </p:nvSpPr>
+        <p:spPr/>
+        <p:txBody>
+          <a:bodyPr/>
+          <a:lstStyle/>
+          <a:p>
+            <a:fld id="{540C24F3-0B6D-4ED4-8F00-4D4F93EB07CD}" type="slidenum">
+              <a:rPr lang="en-US" smtClean="0"/>
+              <a:t>28</a:t>
             </a:fld>
             <a:endParaRPr lang="en-US"/>
           </a:p>
@@ -3387,9 +3591,52 @@
           </a:p>
           <a:p>
             <a:r>
+              <a:rPr lang="en-US" baseline="0" dirty="0" smtClean="0"/>
+              <a:t>(</a:t>
+            </a:r>
+            <a:r>
               <a:rPr lang="ru-RU" baseline="0" dirty="0" smtClean="0"/>
-              <a:t>(описать код и что происходит)</a:t>
-            </a:r>
+              <a:t>создаём новую задачу с помощью вызова метода </a:t>
+            </a:r>
+            <a:r>
+              <a:rPr lang="en-US" baseline="0" dirty="0" err="1" smtClean="0"/>
+              <a:t>Task.Run</a:t>
+            </a:r>
+            <a:r>
+              <a:rPr lang="ru-RU" baseline="0" dirty="0" smtClean="0"/>
+              <a:t>, выполняя задачу на </a:t>
+            </a:r>
+            <a:r>
+              <a:rPr lang="ru-RU" baseline="0" dirty="0" err="1" smtClean="0"/>
+              <a:t>тред</a:t>
+            </a:r>
+            <a:r>
+              <a:rPr lang="ru-RU" baseline="0" dirty="0" smtClean="0"/>
+              <a:t> пуле и с помощью </a:t>
+            </a:r>
+            <a:r>
+              <a:rPr lang="en-US" baseline="0" dirty="0" err="1" smtClean="0"/>
+              <a:t>Dispatcher.Invoke</a:t>
+            </a:r>
+            <a:r>
+              <a:rPr lang="en-US" baseline="0" dirty="0" smtClean="0"/>
+              <a:t> – </a:t>
+            </a:r>
+            <a:r>
+              <a:rPr lang="ru-RU" baseline="0" dirty="0" smtClean="0"/>
+              <a:t>возвращаемся к выполнению в </a:t>
+            </a:r>
+            <a:r>
+              <a:rPr lang="en-US" baseline="0" dirty="0" smtClean="0"/>
+              <a:t>UI </a:t>
+            </a:r>
+            <a:r>
+              <a:rPr lang="ru-RU" baseline="0" dirty="0" smtClean="0"/>
+              <a:t>потоке)</a:t>
+            </a:r>
+          </a:p>
+          <a:p>
+            <a:endParaRPr lang="ru-RU" baseline="0" dirty="0" smtClean="0"/>
           </a:p>
           <a:p>
             <a:r>
@@ -3690,7 +3937,11 @@
           <a:p>
             <a:r>
               <a:rPr lang="en-US" baseline="0" dirty="0" smtClean="0"/>
-              <a:t>CA(1) – </a:t>
+              <a:t>CA(true) </a:t>
+            </a:r>
+            <a:r>
+              <a:rPr lang="en-US" baseline="0" dirty="0" smtClean="0"/>
+              <a:t>– </a:t>
             </a:r>
             <a:r>
               <a:rPr lang="ru-RU" baseline="0" dirty="0" smtClean="0"/>
@@ -3703,7 +3954,11 @@
           <a:p>
             <a:r>
               <a:rPr lang="en-US" baseline="0" dirty="0" smtClean="0"/>
-              <a:t>CA(0) – </a:t>
+              <a:t>CA(false) </a:t>
+            </a:r>
+            <a:r>
+              <a:rPr lang="en-US" baseline="0" dirty="0" smtClean="0"/>
+              <a:t>– </a:t>
             </a:r>
             <a:r>
               <a:rPr lang="ru-RU" baseline="0" dirty="0" smtClean="0"/>
@@ -3831,8 +4086,33 @@
             </a:r>
             <a:r>
               <a:rPr lang="ru-RU" baseline="0" dirty="0" smtClean="0"/>
-              <a:t>потоке мы вызываем метод (читать) синхронно</a:t>
-            </a:r>
+              <a:t>потоке мы вызываем метод </a:t>
+            </a:r>
+            <a:r>
+              <a:rPr lang="en-US" baseline="0" dirty="0" err="1" smtClean="0"/>
+              <a:t>GetHttp</a:t>
+            </a:r>
+            <a:r>
+              <a:rPr lang="en-US" baseline="0" dirty="0" smtClean="0"/>
+              <a:t> </a:t>
+            </a:r>
+            <a:r>
+              <a:rPr lang="ru-RU" baseline="0" dirty="0" smtClean="0"/>
+              <a:t>синхронно</a:t>
+            </a:r>
+            <a:r>
+              <a:rPr lang="en-US" baseline="0" dirty="0" smtClean="0"/>
+              <a:t> </a:t>
+            </a:r>
+            <a:r>
+              <a:rPr lang="ru-RU" baseline="0" dirty="0" smtClean="0"/>
+              <a:t>с помощью обращения к свойству </a:t>
+            </a:r>
+            <a:r>
+              <a:rPr lang="en-US" baseline="0" dirty="0" smtClean="0"/>
+              <a:t>Result</a:t>
+            </a:r>
+            <a:endParaRPr lang="ru-RU" baseline="0" dirty="0" smtClean="0"/>
           </a:p>
           <a:p>
             <a:endParaRPr lang="ru-RU" baseline="0" dirty="0" smtClean="0"/>
@@ -3858,7 +4138,7 @@
           <a:p>
             <a:r>
               <a:rPr lang="ru-RU" baseline="0" dirty="0" smtClean="0"/>
-              <a:t>Сделать </a:t>
+              <a:t>Делаем </a:t>
             </a:r>
             <a:r>
               <a:rPr lang="en-US" baseline="0" dirty="0" smtClean="0"/>
@@ -3866,7 +4146,15 @@
             </a:r>
             <a:r>
               <a:rPr lang="ru-RU" baseline="0" dirty="0" smtClean="0"/>
-              <a:t>запрос и дать потоку вернуться из </a:t>
+              <a:t>запрос и </a:t>
+            </a:r>
+            <a:r>
+              <a:rPr lang="ru-RU" baseline="0" dirty="0" smtClean="0"/>
+              <a:t>даём </a:t>
+            </a:r>
+            <a:r>
+              <a:rPr lang="ru-RU" baseline="0" dirty="0" smtClean="0"/>
+              <a:t>потоку вернуться из </a:t>
             </a:r>
             <a:r>
               <a:rPr lang="en-US" baseline="0" dirty="0" err="1" smtClean="0"/>
@@ -4025,16 +4313,16 @@
               <a:t>может выполнять этот код </a:t>
             </a:r>
             <a:r>
-              <a:rPr lang="ru-RU" baseline="0" dirty="0" err="1" smtClean="0"/>
-              <a:t>в</a:t>
-            </a:r>
-            <a:r>
-              <a:rPr lang="ru-RU" dirty="0" err="1" smtClean="0"/>
-              <a:t>противоположности</a:t>
+              <a:rPr lang="ru-RU" baseline="0" dirty="0" smtClean="0"/>
+              <a:t>в </a:t>
             </a:r>
             <a:r>
               <a:rPr lang="ru-RU" dirty="0" smtClean="0"/>
-              <a:t> той ситуации, когда мы заставляем </a:t>
+              <a:t>противоположности </a:t>
+            </a:r>
+            <a:r>
+              <a:rPr lang="ru-RU" dirty="0" smtClean="0"/>
+              <a:t>той ситуации, когда мы заставляем </a:t>
             </a:r>
             <a:r>
               <a:rPr lang="en-US" dirty="0" smtClean="0"/>
@@ -4171,7 +4459,15 @@
             </a:r>
             <a:r>
               <a:rPr lang="ru-RU" baseline="0" dirty="0" smtClean="0"/>
-              <a:t> пула может исполнить этот код</a:t>
+              <a:t> пула </a:t>
+            </a:r>
+            <a:r>
+              <a:rPr lang="ru-RU" baseline="0" dirty="0" smtClean="0"/>
+              <a:t>сможет </a:t>
+            </a:r>
+            <a:r>
+              <a:rPr lang="ru-RU" baseline="0" dirty="0" smtClean="0"/>
+              <a:t>исполнить этот код</a:t>
             </a:r>
             <a:endParaRPr lang="en-US" dirty="0"/>
           </a:p>
@@ -4344,7 +4640,7 @@
           <a:p>
             <a:fld id="{24A32089-D825-4F51-9DBC-85AD227A2430}" type="datetimeFigureOut">
               <a:rPr lang="en-US" smtClean="0"/>
-              <a:t>30-May-19</a:t>
+              <a:t>01-Sep-19</a:t>
             </a:fld>
             <a:endParaRPr lang="en-US"/>
           </a:p>
@@ -4514,7 +4810,7 @@
           <a:p>
             <a:fld id="{24A32089-D825-4F51-9DBC-85AD227A2430}" type="datetimeFigureOut">
               <a:rPr lang="en-US" smtClean="0"/>
-              <a:t>30-May-19</a:t>
+              <a:t>01-Sep-19</a:t>
             </a:fld>
             <a:endParaRPr lang="en-US"/>
           </a:p>
@@ -4694,7 +4990,7 @@
           <a:p>
             <a:fld id="{24A32089-D825-4F51-9DBC-85AD227A2430}" type="datetimeFigureOut">
               <a:rPr lang="en-US" smtClean="0"/>
-              <a:t>30-May-19</a:t>
+              <a:t>01-Sep-19</a:t>
             </a:fld>
             <a:endParaRPr lang="en-US"/>
           </a:p>
@@ -4864,7 +5160,7 @@
           <a:p>
             <a:fld id="{24A32089-D825-4F51-9DBC-85AD227A2430}" type="datetimeFigureOut">
               <a:rPr lang="en-US" smtClean="0"/>
-              <a:t>30-May-19</a:t>
+              <a:t>01-Sep-19</a:t>
             </a:fld>
             <a:endParaRPr lang="en-US"/>
           </a:p>
@@ -5110,7 +5406,7 @@
           <a:p>
             <a:fld id="{24A32089-D825-4F51-9DBC-85AD227A2430}" type="datetimeFigureOut">
               <a:rPr lang="en-US" smtClean="0"/>
-              <a:t>30-May-19</a:t>
+              <a:t>01-Sep-19</a:t>
             </a:fld>
             <a:endParaRPr lang="en-US"/>
           </a:p>
@@ -5342,7 +5638,7 @@
           <a:p>
             <a:fld id="{24A32089-D825-4F51-9DBC-85AD227A2430}" type="datetimeFigureOut">
               <a:rPr lang="en-US" smtClean="0"/>
-              <a:t>30-May-19</a:t>
+              <a:t>01-Sep-19</a:t>
             </a:fld>
             <a:endParaRPr lang="en-US"/>
           </a:p>
@@ -5709,7 +6005,7 @@
           <a:p>
             <a:fld id="{24A32089-D825-4F51-9DBC-85AD227A2430}" type="datetimeFigureOut">
               <a:rPr lang="en-US" smtClean="0"/>
-              <a:t>30-May-19</a:t>
+              <a:t>01-Sep-19</a:t>
             </a:fld>
             <a:endParaRPr lang="en-US"/>
           </a:p>
@@ -5827,7 +6123,7 @@
           <a:p>
             <a:fld id="{24A32089-D825-4F51-9DBC-85AD227A2430}" type="datetimeFigureOut">
               <a:rPr lang="en-US" smtClean="0"/>
-              <a:t>30-May-19</a:t>
+              <a:t>01-Sep-19</a:t>
             </a:fld>
             <a:endParaRPr lang="en-US"/>
           </a:p>
@@ -5922,7 +6218,7 @@
           <a:p>
             <a:fld id="{24A32089-D825-4F51-9DBC-85AD227A2430}" type="datetimeFigureOut">
               <a:rPr lang="en-US" smtClean="0"/>
-              <a:t>30-May-19</a:t>
+              <a:t>01-Sep-19</a:t>
             </a:fld>
             <a:endParaRPr lang="en-US"/>
           </a:p>
@@ -6199,7 +6495,7 @@
           <a:p>
             <a:fld id="{24A32089-D825-4F51-9DBC-85AD227A2430}" type="datetimeFigureOut">
               <a:rPr lang="en-US" smtClean="0"/>
-              <a:t>30-May-19</a:t>
+              <a:t>01-Sep-19</a:t>
             </a:fld>
             <a:endParaRPr lang="en-US"/>
           </a:p>
@@ -6452,7 +6748,7 @@
           <a:p>
             <a:fld id="{24A32089-D825-4F51-9DBC-85AD227A2430}" type="datetimeFigureOut">
               <a:rPr lang="en-US" smtClean="0"/>
-              <a:t>30-May-19</a:t>
+              <a:t>01-Sep-19</a:t>
             </a:fld>
             <a:endParaRPr lang="en-US"/>
           </a:p>
@@ -6665,7 +6961,7 @@
           <a:p>
             <a:fld id="{24A32089-D825-4F51-9DBC-85AD227A2430}" type="datetimeFigureOut">
               <a:rPr lang="en-US" smtClean="0"/>
-              <a:t>30-May-19</a:t>
+              <a:t>01-Sep-19</a:t>
             </a:fld>
             <a:endParaRPr lang="en-US"/>
           </a:p>
@@ -12902,6 +13198,229 @@
 </file>
 
 <file path=ppt/slides/slide27.xml><?xml version="1.0" encoding="utf-8"?>
+<p:sld xmlns:a="http://schemas.openxmlformats.org/drawingml/2006/main" xmlns:r="http://schemas.openxmlformats.org/officeDocument/2006/relationships" xmlns:p="http://schemas.openxmlformats.org/presentationml/2006/main">
+  <p:cSld>
+    <p:bg>
+      <p:bgPr>
+        <a:gradFill>
+          <a:gsLst>
+            <a:gs pos="0">
+              <a:schemeClr val="accent1">
+                <a:lumMod val="20000"/>
+                <a:lumOff val="80000"/>
+              </a:schemeClr>
+            </a:gs>
+            <a:gs pos="74000">
+              <a:schemeClr val="accent1">
+                <a:lumMod val="45000"/>
+                <a:lumOff val="55000"/>
+              </a:schemeClr>
+            </a:gs>
+            <a:gs pos="83000">
+              <a:schemeClr val="accent1">
+                <a:lumMod val="45000"/>
+                <a:lumOff val="55000"/>
+              </a:schemeClr>
+            </a:gs>
+            <a:gs pos="100000">
+              <a:schemeClr val="accent1">
+                <a:lumMod val="30000"/>
+                <a:lumOff val="70000"/>
+              </a:schemeClr>
+            </a:gs>
+          </a:gsLst>
+          <a:lin ang="5400000" scaled="1"/>
+        </a:gradFill>
+        <a:effectLst/>
+      </p:bgPr>
+    </p:bg>
+    <p:spTree>
+      <p:nvGrpSpPr>
+        <p:cNvPr id="1" name=""/>
+        <p:cNvGrpSpPr/>
+        <p:nvPr/>
+      </p:nvGrpSpPr>
+      <p:grpSpPr>
+        <a:xfrm>
+          <a:off x="0" y="0"/>
+          <a:ext cx="0" cy="0"/>
+          <a:chOff x="0" y="0"/>
+          <a:chExt cx="0" cy="0"/>
+        </a:xfrm>
+      </p:grpSpPr>
+      <p:sp>
+        <p:nvSpPr>
+          <p:cNvPr id="2" name="Title 1"/>
+          <p:cNvSpPr>
+            <a:spLocks noGrp="1"/>
+          </p:cNvSpPr>
+          <p:nvPr>
+            <p:ph type="title"/>
+          </p:nvPr>
+        </p:nvSpPr>
+        <p:spPr>
+          <a:xfrm>
+            <a:off x="75971" y="308113"/>
+            <a:ext cx="12116028" cy="6778487"/>
+          </a:xfrm>
+        </p:spPr>
+        <p:txBody>
+          <a:bodyPr>
+            <a:normAutofit/>
+          </a:bodyPr>
+          <a:lstStyle/>
+          <a:p>
+            <a:r>
+              <a:rPr lang="en-US" sz="3600" dirty="0"/>
+              <a:t>- Move operations not related to the UI </a:t>
+            </a:r>
+            <a:r>
+              <a:rPr lang="en-US" sz="3600" dirty="0" smtClean="0"/>
+              <a:t>from </a:t>
+            </a:r>
+            <a:r>
+              <a:rPr lang="en-US" sz="3600" dirty="0"/>
+              <a:t>the UI </a:t>
+            </a:r>
+            <a:r>
+              <a:rPr lang="en-US" sz="3600" dirty="0" smtClean="0"/>
+              <a:t>thread</a:t>
+            </a:r>
+            <a:br>
+              <a:rPr lang="en-US" sz="3600" dirty="0" smtClean="0"/>
+            </a:br>
+            <a:r>
+              <a:rPr lang="en-US" sz="3600" dirty="0"/>
+              <a:t/>
+            </a:r>
+            <a:br>
+              <a:rPr lang="en-US" sz="3600" dirty="0"/>
+            </a:br>
+            <a:r>
+              <a:rPr lang="en-US" sz="3600" dirty="0"/>
+              <a:t>- Parallelize if </a:t>
+            </a:r>
+            <a:r>
+              <a:rPr lang="en-US" sz="3600" dirty="0" smtClean="0"/>
+              <a:t>needed</a:t>
+            </a:r>
+            <a:br>
+              <a:rPr lang="en-US" sz="3600" dirty="0" smtClean="0"/>
+            </a:br>
+            <a:r>
+              <a:rPr lang="en-US" sz="3600" dirty="0"/>
+              <a:t/>
+            </a:r>
+            <a:br>
+              <a:rPr lang="en-US" sz="3600" dirty="0"/>
+            </a:br>
+            <a:r>
+              <a:rPr lang="en-US" sz="3600" dirty="0"/>
+              <a:t>- Live filtering and live </a:t>
+            </a:r>
+            <a:r>
+              <a:rPr lang="en-US" sz="3600" dirty="0" smtClean="0"/>
+              <a:t>sorting</a:t>
+            </a:r>
+            <a:br>
+              <a:rPr lang="en-US" sz="3600" dirty="0" smtClean="0"/>
+            </a:br>
+            <a:r>
+              <a:rPr lang="en-US" sz="3600" dirty="0"/>
+              <a:t/>
+            </a:r>
+            <a:br>
+              <a:rPr lang="en-US" sz="3600" dirty="0"/>
+            </a:br>
+            <a:r>
+              <a:rPr lang="en-US" sz="3600" dirty="0"/>
+              <a:t>- </a:t>
+            </a:r>
+            <a:r>
+              <a:rPr lang="en-US" sz="3600" dirty="0" smtClean="0"/>
+              <a:t>Virtualization</a:t>
+            </a:r>
+            <a:br>
+              <a:rPr lang="en-US" sz="3600" dirty="0" smtClean="0"/>
+            </a:br>
+            <a:r>
+              <a:rPr lang="en-US" sz="3600" dirty="0"/>
+              <a:t/>
+            </a:r>
+            <a:br>
+              <a:rPr lang="en-US" sz="3600" dirty="0"/>
+            </a:br>
+            <a:r>
+              <a:rPr lang="en-US" sz="3600" dirty="0"/>
+              <a:t>- </a:t>
+            </a:r>
+            <a:r>
+              <a:rPr lang="en-US" sz="3600" dirty="0" err="1" smtClean="0"/>
+              <a:t>BindingOperations.EnableCollectionSynchronization</a:t>
+            </a:r>
+            <a:r>
+              <a:rPr lang="en-US" sz="3600" dirty="0" smtClean="0"/>
+              <a:t> </a:t>
+            </a:r>
+            <a:r>
+              <a:rPr lang="en-US" sz="3600" dirty="0"/>
+              <a:t>- if needed</a:t>
+            </a:r>
+            <a:endParaRPr lang="en-US" sz="3600" dirty="0"/>
+          </a:p>
+        </p:txBody>
+      </p:sp>
+      <p:sp>
+        <p:nvSpPr>
+          <p:cNvPr id="5" name="TextBox 4"/>
+          <p:cNvSpPr txBox="1"/>
+          <p:nvPr/>
+        </p:nvSpPr>
+        <p:spPr>
+          <a:xfrm>
+            <a:off x="4788104" y="228600"/>
+            <a:ext cx="2691763" cy="769441"/>
+          </a:xfrm>
+          <a:prstGeom prst="rect">
+            <a:avLst/>
+          </a:prstGeom>
+          <a:noFill/>
+        </p:spPr>
+        <p:txBody>
+          <a:bodyPr wrap="none" rtlCol="0">
+            <a:spAutoFit/>
+          </a:bodyPr>
+          <a:lstStyle/>
+          <a:p>
+            <a:r>
+              <a:rPr lang="en-US" sz="4400" dirty="0" smtClean="0"/>
+              <a:t>Conclusion</a:t>
+            </a:r>
+            <a:endParaRPr lang="en-US" sz="4400" dirty="0"/>
+          </a:p>
+        </p:txBody>
+      </p:sp>
+    </p:spTree>
+    <p:extLst>
+      <p:ext uri="{BB962C8B-B14F-4D97-AF65-F5344CB8AC3E}">
+        <p14:creationId xmlns:p14="http://schemas.microsoft.com/office/powerpoint/2010/main" val="2575750230"/>
+      </p:ext>
+    </p:extLst>
+  </p:cSld>
+  <p:clrMapOvr>
+    <a:overrideClrMapping bg1="lt1" tx1="dk1" bg2="lt2" tx2="dk2" accent1="accent1" accent2="accent2" accent3="accent3" accent4="accent4" accent5="accent5" accent6="accent6" hlink="hlink" folHlink="folHlink"/>
+  </p:clrMapOvr>
+  <p:timing>
+    <p:tnLst>
+      <p:par>
+        <p:cTn id="1" dur="indefinite" restart="never" nodeType="tmRoot"/>
+      </p:par>
+    </p:tnLst>
+  </p:timing>
+</p:sld>
+</file>
+
+<file path=ppt/slides/slide28.xml><?xml version="1.0" encoding="utf-8"?>
 <p:sld xmlns:a="http://schemas.openxmlformats.org/drawingml/2006/main" xmlns:r="http://schemas.openxmlformats.org/officeDocument/2006/relationships" xmlns:p="http://schemas.openxmlformats.org/presentationml/2006/main">
   <p:cSld>
     <p:bg>
@@ -16725,4 +17244,47 @@
     </a:folHlink>
   </a:clrScheme>
 </a:themeOverride>
+</file>
+
+<file path=ppt/theme/themeOverride2.xml><?xml version="1.0" encoding="utf-8"?>
+<a:themeOverride xmlns:a="http://schemas.openxmlformats.org/drawingml/2006/main">
+  <a:clrScheme name="Office">
+    <a:dk1>
+      <a:sysClr val="windowText" lastClr="000000"/>
+    </a:dk1>
+    <a:lt1>
+      <a:sysClr val="window" lastClr="FFFFFF"/>
+    </a:lt1>
+    <a:dk2>
+      <a:srgbClr val="44546A"/>
+    </a:dk2>
+    <a:lt2>
+      <a:srgbClr val="E7E6E6"/>
+    </a:lt2>
+    <a:accent1>
+      <a:srgbClr val="5B9BD5"/>
+    </a:accent1>
+    <a:accent2>
+      <a:srgbClr val="ED7D31"/>
+    </a:accent2>
+    <a:accent3>
+      <a:srgbClr val="A5A5A5"/>
+    </a:accent3>
+    <a:accent4>
+      <a:srgbClr val="FFC000"/>
+    </a:accent4>
+    <a:accent5>
+      <a:srgbClr val="4472C4"/>
+    </a:accent5>
+    <a:accent6>
+      <a:srgbClr val="70AD47"/>
+    </a:accent6>
+    <a:hlink>
+      <a:srgbClr val="0563C1"/>
+    </a:hlink>
+    <a:folHlink>
+      <a:srgbClr val="954F72"/>
+    </a:folHlink>
+  </a:clrScheme>
+</a:themeOverride>
 </file>